--- a/Diplomarbeit/Plakat/Plakat_Diplomarbeit_Weiß_Meingaßner.pptx
+++ b/Diplomarbeit/Plakat/Plakat_Diplomarbeit_Weiß_Meingaßner.pptx
@@ -1638,7 +1638,7 @@
         </p:blipFill>
         <p:spPr>
           <a:xfrm>
-            <a:off x="18118273" y="15395242"/>
+            <a:off x="18118273" y="15220618"/>
             <a:ext cx="1889538" cy="1681689"/>
           </a:xfrm>
           <a:prstGeom prst="rect">
@@ -1668,7 +1668,7 @@
         </p:blipFill>
         <p:spPr>
           <a:xfrm>
-            <a:off x="14392722" y="14725170"/>
+            <a:off x="14392722" y="14583642"/>
             <a:ext cx="3981078" cy="2985807"/>
           </a:xfrm>
           <a:prstGeom prst="rect">
@@ -1690,7 +1690,7 @@
         </p:nvSpPr>
         <p:spPr>
           <a:xfrm>
-            <a:off x="17691747" y="15915887"/>
+            <a:off x="17691747" y="15741263"/>
             <a:ext cx="682053" cy="546351"/>
           </a:xfrm>
           <a:prstGeom prst="rightArrow">
@@ -1773,7 +1773,7 @@
         </p:blipFill>
         <p:spPr>
           <a:xfrm rot="5400000">
-            <a:off x="21020391" y="4853655"/>
+            <a:off x="21020391" y="4684658"/>
             <a:ext cx="1457323" cy="2438400"/>
           </a:xfrm>
           <a:prstGeom prst="rect">
@@ -1803,7 +1803,7 @@
         </p:blipFill>
         <p:spPr>
           <a:xfrm>
-            <a:off x="15137606" y="7277633"/>
+            <a:off x="15137606" y="7103009"/>
             <a:ext cx="13350189" cy="7804027"/>
           </a:xfrm>
           <a:prstGeom prst="roundRect">
@@ -1863,7 +1863,7 @@
         </p:blipFill>
         <p:spPr>
           <a:xfrm>
-            <a:off x="24497498" y="15879519"/>
+            <a:off x="24497498" y="15704895"/>
             <a:ext cx="2447378" cy="677108"/>
           </a:xfrm>
           <a:prstGeom prst="rect">
@@ -1893,7 +1893,7 @@
         </p:blipFill>
         <p:spPr>
           <a:xfrm>
-            <a:off x="20473487" y="15862599"/>
+            <a:off x="20473487" y="15687975"/>
             <a:ext cx="2971428" cy="777143"/>
           </a:xfrm>
           <a:prstGeom prst="rect">
@@ -1922,7 +1922,7 @@
         </p:blipFill>
         <p:spPr>
           <a:xfrm>
-            <a:off x="15566438" y="14221034"/>
+            <a:off x="15566438" y="14046410"/>
             <a:ext cx="2020443" cy="358112"/>
           </a:xfrm>
           <a:prstGeom prst="rect">
@@ -1944,7 +1944,7 @@
         </p:nvSpPr>
         <p:spPr>
           <a:xfrm>
-            <a:off x="19691096" y="15959237"/>
+            <a:off x="19691096" y="15784613"/>
             <a:ext cx="682053" cy="546351"/>
           </a:xfrm>
           <a:prstGeom prst="rightArrow">
@@ -1990,7 +1990,7 @@
         </p:nvSpPr>
         <p:spPr>
           <a:xfrm>
-            <a:off x="27157003" y="15254901"/>
+            <a:off x="27157003" y="15080277"/>
             <a:ext cx="961882" cy="1141417"/>
           </a:xfrm>
           <a:prstGeom prst="bentUpArrow">
@@ -2040,7 +2040,7 @@
         </p:nvSpPr>
         <p:spPr>
           <a:xfrm>
-            <a:off x="1395308" y="7207216"/>
+            <a:off x="1395308" y="6846382"/>
             <a:ext cx="9556955" cy="1200329"/>
           </a:xfrm>
           <a:prstGeom prst="rect">
@@ -2075,8 +2075,8 @@
         </p:nvSpPr>
         <p:spPr>
           <a:xfrm>
-            <a:off x="2448232" y="9072860"/>
-            <a:ext cx="11757432" cy="9093259"/>
+            <a:off x="1446116" y="8286212"/>
+            <a:ext cx="12470810" cy="8343181"/>
           </a:xfrm>
           <a:prstGeom prst="rect">
             <a:avLst/>
@@ -2100,12 +2100,32 @@
           </a:p>
           <a:p>
             <a:pPr marL="1923898" lvl="1" indent="-685800">
-              <a:buFont typeface="Wingdings" panose="05000000000000000000" pitchFamily="2" charset="2"/>
-              <a:buChar char="§"/>
+              <a:buFont typeface="Arial" panose="020B0604020202020204" pitchFamily="34" charset="0"/>
+              <a:buChar char="•"/>
             </a:pPr>
             <a:r>
               <a:rPr lang="de-AT" dirty="0"/>
-              <a:t>Klassenkürzel</a:t>
+              <a:t>Effektive Suche nach einer leeren Klasse</a:t>
+            </a:r>
+          </a:p>
+          <a:p>
+            <a:pPr marL="1923898" lvl="1" indent="-685800">
+              <a:buFont typeface="Arial" panose="020B0604020202020204" pitchFamily="34" charset="0"/>
+              <a:buChar char="•"/>
+            </a:pPr>
+            <a:r>
+              <a:rPr lang="de-AT" dirty="0"/>
+              <a:t>Vereinfachung der Lehrersuche</a:t>
+            </a:r>
+          </a:p>
+          <a:p>
+            <a:pPr marL="1923898" lvl="1" indent="-685800">
+              <a:buFont typeface="Arial" panose="020B0604020202020204" pitchFamily="34" charset="0"/>
+              <a:buChar char="•"/>
+            </a:pPr>
+            <a:r>
+              <a:rPr lang="de-AT" dirty="0"/>
+              <a:t>Vorschau auf die nächsten Einheiten</a:t>
             </a:r>
           </a:p>
           <a:p>
@@ -2113,43 +2133,13 @@
               <a:buFont typeface="Wingdings" panose="05000000000000000000" pitchFamily="2" charset="2"/>
               <a:buChar char="§"/>
             </a:pPr>
-            <a:r>
-              <a:rPr lang="de-AT" dirty="0"/>
-              <a:t>Raumnummer</a:t>
-            </a:r>
-          </a:p>
-          <a:p>
-            <a:pPr marL="1923898" lvl="1" indent="-685800">
-              <a:buFont typeface="Wingdings" panose="05000000000000000000" pitchFamily="2" charset="2"/>
-              <a:buChar char="§"/>
-            </a:pPr>
-            <a:r>
-              <a:rPr lang="de-AT" dirty="0"/>
-              <a:t>Lehrer</a:t>
-            </a:r>
-          </a:p>
-          <a:p>
-            <a:pPr marL="1923898" lvl="1" indent="-685800">
-              <a:buFont typeface="Wingdings" panose="05000000000000000000" pitchFamily="2" charset="2"/>
-              <a:buChar char="§"/>
-            </a:pPr>
-            <a:r>
-              <a:rPr lang="de-AT" dirty="0"/>
-              <a:t>Datum &amp; Uhrzeit</a:t>
-            </a:r>
+            <a:endParaRPr lang="de-AT" dirty="0"/>
           </a:p>
           <a:p>
             <a:pPr marL="685800" indent="-685800">
               <a:buFont typeface="Wingdings" panose="05000000000000000000" pitchFamily="2" charset="2"/>
               <a:buChar char="§"/>
             </a:pPr>
-            <a:endParaRPr lang="de-AT" dirty="0"/>
-          </a:p>
-          <a:p>
-            <a:pPr marL="685800" indent="-685800">
-              <a:buFont typeface="Wingdings" panose="05000000000000000000" pitchFamily="2" charset="2"/>
-              <a:buChar char="§"/>
-            </a:pPr>
             <a:r>
               <a:rPr lang="de-AT" dirty="0"/>
               <a:t>möglichst autarker Betrieb</a:t>
@@ -2157,40 +2147,33 @@
           </a:p>
           <a:p>
             <a:pPr marL="1923898" lvl="1" indent="-685800">
-              <a:buFont typeface="Wingdings" panose="05000000000000000000" pitchFamily="2" charset="2"/>
-              <a:buChar char="§"/>
+              <a:buFont typeface="Arial" panose="020B0604020202020204" pitchFamily="34" charset="0"/>
+              <a:buChar char="•"/>
             </a:pPr>
             <a:r>
               <a:rPr lang="de-AT" dirty="0"/>
-              <a:t>Solarpanel</a:t>
+              <a:t>Nur 1x pro Jahr aufladen</a:t>
             </a:r>
           </a:p>
           <a:p>
             <a:pPr marL="1923898" lvl="1" indent="-685800">
-              <a:buFont typeface="Wingdings" panose="05000000000000000000" pitchFamily="2" charset="2"/>
-              <a:buChar char="§"/>
+              <a:buFont typeface="Arial" panose="020B0604020202020204" pitchFamily="34" charset="0"/>
+              <a:buChar char="•"/>
             </a:pPr>
             <a:r>
               <a:rPr lang="de-AT" dirty="0"/>
-              <a:t>mehrere Akkus</a:t>
+              <a:t>Perfekt aufeinander abgestimmte Akkutechnologie</a:t>
             </a:r>
           </a:p>
           <a:p>
             <a:pPr marL="1923898" lvl="1" indent="-685800">
-              <a:buFont typeface="Wingdings" panose="05000000000000000000" pitchFamily="2" charset="2"/>
-              <a:buChar char="§"/>
+              <a:buFont typeface="Arial" panose="020B0604020202020204" pitchFamily="34" charset="0"/>
+              <a:buChar char="•"/>
             </a:pPr>
             <a:r>
               <a:rPr lang="de-AT" dirty="0"/>
-              <a:t>1x jährlich Laden</a:t>
-            </a:r>
-          </a:p>
-          <a:p>
-            <a:pPr marL="685800" indent="-685800">
-              <a:buFont typeface="Wingdings" panose="05000000000000000000" pitchFamily="2" charset="2"/>
-              <a:buChar char="§"/>
-            </a:pPr>
-            <a:endParaRPr lang="de-AT" dirty="0"/>
+              <a:t>Solarpanels für zusätzliche Akkulaufzeit</a:t>
+            </a:r>
           </a:p>
           <a:p>
             <a:pPr marL="685800" indent="-685800">
@@ -2215,7 +2198,7 @@
         </p:nvSpPr>
         <p:spPr>
           <a:xfrm>
-            <a:off x="23603318" y="15959237"/>
+            <a:off x="23603318" y="15784613"/>
             <a:ext cx="682053" cy="546351"/>
           </a:xfrm>
           <a:prstGeom prst="rightArrow">
